--- a/MAKUL ==/SEM 1/CoIT/tasks/Tugas-6-KTI_Hilman-abu-dzarrin.pptx
+++ b/MAKUL ==/SEM 1/CoIT/tasks/Tugas-6-KTI_Hilman-abu-dzarrin.pptx
@@ -135,22 +135,6 @@
       </a:defRPr>
     </a:lvl9pPr>
   </p:defaultTextStyle>
-  <p:extLst>
-    <p:ext uri="{EFAFB233-063F-42B5-8137-9DF3F51BA10A}">
-      <p15:sldGuideLst xmlns:p15="http://schemas.microsoft.com/office/powerpoint/2012/main">
-        <p15:guide id="1" orient="horz" pos="2160">
-          <p15:clr>
-            <a:srgbClr val="A4A3A4"/>
-          </p15:clr>
-        </p15:guide>
-        <p15:guide id="2" pos="2880">
-          <p15:clr>
-            <a:srgbClr val="A4A3A4"/>
-          </p15:clr>
-        </p15:guide>
-      </p15:sldGuideLst>
-    </p:ext>
-  </p:extLst>
 </p:presentation>
 </file>
 
@@ -813,7 +797,7 @@
             <a:fld id="{21309DCA-A872-406D-A32B-7A8BCB14E236}" type="datetimeFigureOut">
               <a:rPr lang="en-US" smtClean="0"/>
               <a:pPr/>
-              <a:t>2/2/2015</a:t>
+              <a:t>12/27/2014</a:t>
             </a:fld>
             <a:endParaRPr lang="en-US"/>
           </a:p>
@@ -998,7 +982,7 @@
             <a:fld id="{21309DCA-A872-406D-A32B-7A8BCB14E236}" type="datetimeFigureOut">
               <a:rPr lang="en-US" smtClean="0"/>
               <a:pPr/>
-              <a:t>2/2/2015</a:t>
+              <a:t>12/27/2014</a:t>
             </a:fld>
             <a:endParaRPr lang="en-US"/>
           </a:p>
@@ -1175,7 +1159,7 @@
             <a:fld id="{21309DCA-A872-406D-A32B-7A8BCB14E236}" type="datetimeFigureOut">
               <a:rPr lang="en-US" smtClean="0"/>
               <a:pPr/>
-              <a:t>2/2/2015</a:t>
+              <a:t>12/27/2014</a:t>
             </a:fld>
             <a:endParaRPr lang="en-US"/>
           </a:p>
@@ -1342,7 +1326,7 @@
             <a:fld id="{21309DCA-A872-406D-A32B-7A8BCB14E236}" type="datetimeFigureOut">
               <a:rPr lang="en-US" smtClean="0"/>
               <a:pPr/>
-              <a:t>2/2/2015</a:t>
+              <a:t>12/27/2014</a:t>
             </a:fld>
             <a:endParaRPr lang="en-US"/>
           </a:p>
@@ -1565,7 +1549,7 @@
             <a:fld id="{21309DCA-A872-406D-A32B-7A8BCB14E236}" type="datetimeFigureOut">
               <a:rPr lang="en-US" smtClean="0"/>
               <a:pPr/>
-              <a:t>2/2/2015</a:t>
+              <a:t>12/27/2014</a:t>
             </a:fld>
             <a:endParaRPr lang="en-US"/>
           </a:p>
@@ -1826,7 +1810,7 @@
             <a:fld id="{21309DCA-A872-406D-A32B-7A8BCB14E236}" type="datetimeFigureOut">
               <a:rPr lang="en-US" smtClean="0"/>
               <a:pPr/>
-              <a:t>2/2/2015</a:t>
+              <a:t>12/27/2014</a:t>
             </a:fld>
             <a:endParaRPr lang="en-US"/>
           </a:p>
@@ -2232,7 +2216,7 @@
             <a:fld id="{21309DCA-A872-406D-A32B-7A8BCB14E236}" type="datetimeFigureOut">
               <a:rPr lang="en-US" smtClean="0"/>
               <a:pPr/>
-              <a:t>2/2/2015</a:t>
+              <a:t>12/27/2014</a:t>
             </a:fld>
             <a:endParaRPr lang="en-US"/>
           </a:p>
@@ -2365,7 +2349,7 @@
             <a:fld id="{21309DCA-A872-406D-A32B-7A8BCB14E236}" type="datetimeFigureOut">
               <a:rPr lang="en-US" smtClean="0"/>
               <a:pPr/>
-              <a:t>2/2/2015</a:t>
+              <a:t>12/27/2014</a:t>
             </a:fld>
             <a:endParaRPr lang="en-US"/>
           </a:p>
@@ -2467,7 +2451,7 @@
             <a:fld id="{21309DCA-A872-406D-A32B-7A8BCB14E236}" type="datetimeFigureOut">
               <a:rPr lang="en-US" smtClean="0"/>
               <a:pPr/>
-              <a:t>2/2/2015</a:t>
+              <a:t>12/27/2014</a:t>
             </a:fld>
             <a:endParaRPr lang="en-US"/>
           </a:p>
@@ -2714,7 +2698,7 @@
             <a:fld id="{21309DCA-A872-406D-A32B-7A8BCB14E236}" type="datetimeFigureOut">
               <a:rPr lang="en-US" smtClean="0"/>
               <a:pPr/>
-              <a:t>2/2/2015</a:t>
+              <a:t>12/27/2014</a:t>
             </a:fld>
             <a:endParaRPr lang="en-US"/>
           </a:p>
@@ -2960,7 +2944,7 @@
             <a:fld id="{21309DCA-A872-406D-A32B-7A8BCB14E236}" type="datetimeFigureOut">
               <a:rPr lang="en-US" smtClean="0"/>
               <a:pPr/>
-              <a:t>2/2/2015</a:t>
+              <a:t>12/27/2014</a:t>
             </a:fld>
             <a:endParaRPr lang="en-US"/>
           </a:p>
@@ -3786,7 +3770,7 @@
             <a:fld id="{21309DCA-A872-406D-A32B-7A8BCB14E236}" type="datetimeFigureOut">
               <a:rPr lang="en-US" smtClean="0"/>
               <a:pPr/>
-              <a:t>2/2/2015</a:t>
+              <a:t>12/27/2014</a:t>
             </a:fld>
             <a:endParaRPr lang="en-US"/>
           </a:p>
